--- a/resources/smart Video Solutions using Edge AI for fashion.pptx
+++ b/resources/smart Video Solutions using Edge AI for fashion.pptx
@@ -364,7 +364,7 @@
           <a:p>
             <a:fld id="{ED291B17-9318-49DB-B28B-6E5994AE9581}" type="datetime1">
               <a:rPr lang="en-US" smtClean="0"/>
-              <a:t>7/7/2020</a:t>
+              <a:t>7/8/2020</a:t>
             </a:fld>
             <a:endParaRPr lang="en-US" dirty="0"/>
           </a:p>
@@ -567,7 +567,7 @@
           <a:p>
             <a:fld id="{2CED4963-E985-44C4-B8C4-FDD613B7C2F8}" type="datetime1">
               <a:rPr lang="en-US" smtClean="0"/>
-              <a:t>7/7/2020</a:t>
+              <a:t>7/8/2020</a:t>
             </a:fld>
             <a:endParaRPr lang="en-US" dirty="0"/>
           </a:p>
@@ -929,7 +929,7 @@
           <a:p>
             <a:fld id="{ED291B17-9318-49DB-B28B-6E5994AE9581}" type="datetime1">
               <a:rPr lang="en-US" smtClean="0"/>
-              <a:t>7/7/2020</a:t>
+              <a:t>7/8/2020</a:t>
             </a:fld>
             <a:endParaRPr lang="en-US" dirty="0"/>
           </a:p>
@@ -1127,7 +1127,7 @@
           <a:p>
             <a:fld id="{78DD82B9-B8EE-4375-B6FF-88FA6ABB15D9}" type="datetime1">
               <a:rPr lang="en-US" smtClean="0"/>
-              <a:t>7/7/2020</a:t>
+              <a:t>7/8/2020</a:t>
             </a:fld>
             <a:endParaRPr lang="en-US" dirty="0"/>
           </a:p>
@@ -1439,7 +1439,7 @@
           <a:p>
             <a:fld id="{B2497495-0637-405E-AE64-5CC7506D51F5}" type="datetime1">
               <a:rPr lang="en-US" smtClean="0"/>
-              <a:t>7/7/2020</a:t>
+              <a:t>7/8/2020</a:t>
             </a:fld>
             <a:endParaRPr lang="en-US" dirty="0"/>
           </a:p>
@@ -1692,7 +1692,7 @@
           <a:p>
             <a:fld id="{7BFFD690-9426-415D-8B65-26881E07B2D4}" type="datetime1">
               <a:rPr lang="en-US" smtClean="0"/>
-              <a:t>7/7/2020</a:t>
+              <a:t>7/8/2020</a:t>
             </a:fld>
             <a:endParaRPr lang="en-US" dirty="0"/>
           </a:p>
@@ -2114,7 +2114,7 @@
           <a:p>
             <a:fld id="{04C4989A-474C-40DE-95B9-011C28B71673}" type="datetime1">
               <a:rPr lang="en-US" smtClean="0"/>
-              <a:t>7/7/2020</a:t>
+              <a:t>7/8/2020</a:t>
             </a:fld>
             <a:endParaRPr lang="en-US" dirty="0"/>
           </a:p>
@@ -2237,7 +2237,7 @@
           <a:p>
             <a:fld id="{5DB4ED54-5B5E-4A04-93D3-5772E3CE3818}" type="datetime1">
               <a:rPr lang="en-US" smtClean="0"/>
-              <a:t>7/7/2020</a:t>
+              <a:t>7/8/2020</a:t>
             </a:fld>
             <a:endParaRPr lang="en-US" dirty="0"/>
           </a:p>
@@ -2332,7 +2332,7 @@
           <a:p>
             <a:fld id="{4EDE50D6-574B-40AF-946F-D52A04ADE379}" type="datetime1">
               <a:rPr lang="en-US" smtClean="0"/>
-              <a:t>7/7/2020</a:t>
+              <a:t>7/8/2020</a:t>
             </a:fld>
             <a:endParaRPr lang="en-US" dirty="0"/>
           </a:p>
@@ -2709,7 +2709,7 @@
           <a:p>
             <a:fld id="{D82884F1-FFEA-405F-9602-3DCA865EDA4E}" type="datetime1">
               <a:rPr lang="en-US" smtClean="0"/>
-              <a:t>7/7/2020</a:t>
+              <a:t>7/8/2020</a:t>
             </a:fld>
             <a:endParaRPr lang="en-US" dirty="0"/>
           </a:p>
@@ -3002,7 +3002,7 @@
           <a:p>
             <a:fld id="{7E18DB4A-8810-4A10-AD5C-D5E2C667F5B3}" type="datetime1">
               <a:rPr lang="en-US" smtClean="0"/>
-              <a:t>7/7/2020</a:t>
+              <a:t>7/8/2020</a:t>
             </a:fld>
             <a:endParaRPr lang="en-US" dirty="0"/>
           </a:p>
@@ -3217,7 +3217,7 @@
           <a:p>
             <a:fld id="{ED291B17-9318-49DB-B28B-6E5994AE9581}" type="datetime1">
               <a:rPr lang="en-US" smtClean="0"/>
-              <a:t>7/7/2020</a:t>
+              <a:t>7/8/2020</a:t>
             </a:fld>
             <a:endParaRPr lang="en-US" dirty="0"/>
           </a:p>
@@ -4544,7 +4544,9 @@
         </p:nvSpPr>
         <p:spPr/>
         <p:txBody>
-          <a:bodyPr/>
+          <a:bodyPr>
+            <a:normAutofit lnSpcReduction="10000"/>
+          </a:bodyPr>
           <a:lstStyle/>
           <a:p>
             <a:pPr>
@@ -4553,7 +4555,31 @@
             </a:pPr>
             <a:r>
               <a:rPr lang="en-US" dirty="0"/>
-              <a:t>A cost effective people counting system which not only counts the number of people but also generates and inputs data in a database with ease.</a:t>
+              <a:t>A cost effective people counting system which not only counts the number of people but also generates and inputs data in a database with ease. </a:t>
+            </a:r>
+            <a:r>
+              <a:rPr lang="en-US" u="sng" dirty="0"/>
+              <a:t>And this is a perfect replacement for all </a:t>
+            </a:r>
+            <a:r>
+              <a:rPr lang="en-US" u="sng"/>
+              <a:t>the costly complex </a:t>
+            </a:r>
+            <a:r>
+              <a:rPr lang="en-US" u="sng" dirty="0"/>
+              <a:t>sensor technologies and usage of cloud services such as [</a:t>
+            </a:r>
+            <a:r>
+              <a:rPr lang="en-US" b="1" u="sng" dirty="0"/>
+              <a:t>AWS, Azure, IBM Watson, Google Cloud Platform</a:t>
+            </a:r>
+            <a:r>
+              <a:rPr lang="en-US" u="sng" dirty="0"/>
+              <a:t>] for AI inference</a:t>
+            </a:r>
+            <a:r>
+              <a:rPr lang="en-US" dirty="0"/>
+              <a:t>.</a:t>
             </a:r>
           </a:p>
           <a:p>
@@ -4583,15 +4609,7 @@
             </a:pPr>
             <a:r>
               <a:rPr lang="en-US" dirty="0"/>
-              <a:t>This will help in investing on right products for better sales and most importantly customer feedback which helps in improving store’s </a:t>
-            </a:r>
-            <a:r>
-              <a:rPr lang="en-US"/>
-              <a:t>performance time </a:t>
-            </a:r>
-            <a:r>
-              <a:rPr lang="en-US" dirty="0"/>
-              <a:t>to time.</a:t>
+              <a:t>This will help in investing on right products for better sales and most importantly customer feedback which helps in improving store’s performance time to time.</a:t>
             </a:r>
           </a:p>
           <a:p>
@@ -6485,7 +6503,7 @@
             </a:pPr>
             <a:r>
               <a:rPr lang="en-US" dirty="0"/>
-              <a:t>We have to enter total people counted and number of transactions happened in a day to calculate conversion rate.   </a:t>
+              <a:t>We have to enter number of transactions happened in a day to calculate conversion rate.   </a:t>
             </a:r>
             <a:r>
               <a:rPr lang="en-US" b="1" dirty="0"/>
@@ -6493,7 +6511,7 @@
             </a:r>
             <a:r>
               <a:rPr lang="en-US" dirty="0"/>
-              <a:t>. The data [date, people counted, transactions, conversion rate] will be send to the database.</a:t>
+              <a:t>. The data [date, people counted, transactions, conversion rate] will be send to the database everyday automatically.</a:t>
             </a:r>
           </a:p>
           <a:p>

--- a/resources/smart Video Solutions using Edge AI for fashion.pptx
+++ b/resources/smart Video Solutions using Edge AI for fashion.pptx
@@ -364,7 +364,7 @@
           <a:p>
             <a:fld id="{ED291B17-9318-49DB-B28B-6E5994AE9581}" type="datetime1">
               <a:rPr lang="en-US" smtClean="0"/>
-              <a:t>7/8/2020</a:t>
+              <a:t>7/11/2020</a:t>
             </a:fld>
             <a:endParaRPr lang="en-US" dirty="0"/>
           </a:p>
@@ -567,7 +567,7 @@
           <a:p>
             <a:fld id="{2CED4963-E985-44C4-B8C4-FDD613B7C2F8}" type="datetime1">
               <a:rPr lang="en-US" smtClean="0"/>
-              <a:t>7/8/2020</a:t>
+              <a:t>7/11/2020</a:t>
             </a:fld>
             <a:endParaRPr lang="en-US" dirty="0"/>
           </a:p>
@@ -929,7 +929,7 @@
           <a:p>
             <a:fld id="{ED291B17-9318-49DB-B28B-6E5994AE9581}" type="datetime1">
               <a:rPr lang="en-US" smtClean="0"/>
-              <a:t>7/8/2020</a:t>
+              <a:t>7/11/2020</a:t>
             </a:fld>
             <a:endParaRPr lang="en-US" dirty="0"/>
           </a:p>
@@ -1127,7 +1127,7 @@
           <a:p>
             <a:fld id="{78DD82B9-B8EE-4375-B6FF-88FA6ABB15D9}" type="datetime1">
               <a:rPr lang="en-US" smtClean="0"/>
-              <a:t>7/8/2020</a:t>
+              <a:t>7/11/2020</a:t>
             </a:fld>
             <a:endParaRPr lang="en-US" dirty="0"/>
           </a:p>
@@ -1439,7 +1439,7 @@
           <a:p>
             <a:fld id="{B2497495-0637-405E-AE64-5CC7506D51F5}" type="datetime1">
               <a:rPr lang="en-US" smtClean="0"/>
-              <a:t>7/8/2020</a:t>
+              <a:t>7/11/2020</a:t>
             </a:fld>
             <a:endParaRPr lang="en-US" dirty="0"/>
           </a:p>
@@ -1692,7 +1692,7 @@
           <a:p>
             <a:fld id="{7BFFD690-9426-415D-8B65-26881E07B2D4}" type="datetime1">
               <a:rPr lang="en-US" smtClean="0"/>
-              <a:t>7/8/2020</a:t>
+              <a:t>7/11/2020</a:t>
             </a:fld>
             <a:endParaRPr lang="en-US" dirty="0"/>
           </a:p>
@@ -2114,7 +2114,7 @@
           <a:p>
             <a:fld id="{04C4989A-474C-40DE-95B9-011C28B71673}" type="datetime1">
               <a:rPr lang="en-US" smtClean="0"/>
-              <a:t>7/8/2020</a:t>
+              <a:t>7/11/2020</a:t>
             </a:fld>
             <a:endParaRPr lang="en-US" dirty="0"/>
           </a:p>
@@ -2237,7 +2237,7 @@
           <a:p>
             <a:fld id="{5DB4ED54-5B5E-4A04-93D3-5772E3CE3818}" type="datetime1">
               <a:rPr lang="en-US" smtClean="0"/>
-              <a:t>7/8/2020</a:t>
+              <a:t>7/11/2020</a:t>
             </a:fld>
             <a:endParaRPr lang="en-US" dirty="0"/>
           </a:p>
@@ -2332,7 +2332,7 @@
           <a:p>
             <a:fld id="{4EDE50D6-574B-40AF-946F-D52A04ADE379}" type="datetime1">
               <a:rPr lang="en-US" smtClean="0"/>
-              <a:t>7/8/2020</a:t>
+              <a:t>7/11/2020</a:t>
             </a:fld>
             <a:endParaRPr lang="en-US" dirty="0"/>
           </a:p>
@@ -2709,7 +2709,7 @@
           <a:p>
             <a:fld id="{D82884F1-FFEA-405F-9602-3DCA865EDA4E}" type="datetime1">
               <a:rPr lang="en-US" smtClean="0"/>
-              <a:t>7/8/2020</a:t>
+              <a:t>7/11/2020</a:t>
             </a:fld>
             <a:endParaRPr lang="en-US" dirty="0"/>
           </a:p>
@@ -3002,7 +3002,7 @@
           <a:p>
             <a:fld id="{7E18DB4A-8810-4A10-AD5C-D5E2C667F5B3}" type="datetime1">
               <a:rPr lang="en-US" smtClean="0"/>
-              <a:t>7/8/2020</a:t>
+              <a:t>7/11/2020</a:t>
             </a:fld>
             <a:endParaRPr lang="en-US" dirty="0"/>
           </a:p>
@@ -3217,7 +3217,7 @@
           <a:p>
             <a:fld id="{ED291B17-9318-49DB-B28B-6E5994AE9581}" type="datetime1">
               <a:rPr lang="en-US" smtClean="0"/>
-              <a:t>7/8/2020</a:t>
+              <a:t>7/11/2020</a:t>
             </a:fld>
             <a:endParaRPr lang="en-US" dirty="0"/>
           </a:p>
@@ -4559,15 +4559,7 @@
             </a:r>
             <a:r>
               <a:rPr lang="en-US" u="sng" dirty="0"/>
-              <a:t>And this is a perfect replacement for all </a:t>
-            </a:r>
-            <a:r>
-              <a:rPr lang="en-US" u="sng"/>
-              <a:t>the costly complex </a:t>
-            </a:r>
-            <a:r>
-              <a:rPr lang="en-US" u="sng" dirty="0"/>
-              <a:t>sensor technologies and usage of cloud services such as [</a:t>
+              <a:t>And this is a perfect replacement for all the costly complex sensor technologies and usage of cloud services such as [</a:t>
             </a:r>
             <a:r>
               <a:rPr lang="en-US" b="1" u="sng" dirty="0"/>
@@ -4599,7 +4591,15 @@
             </a:pPr>
             <a:r>
               <a:rPr lang="en-US" dirty="0"/>
-              <a:t>And If you are having multiple stores in different locations, This systems helps in bringing all the databases to one particular place for insights on how well each store is performing, and concentrate on improving the stores which aren’t performing well when compared to others. </a:t>
+              <a:t>And If you are having multiple stores in different locations</a:t>
+            </a:r>
+            <a:r>
+              <a:rPr lang="en-US"/>
+              <a:t>, By bringing </a:t>
+            </a:r>
+            <a:r>
+              <a:rPr lang="en-US" dirty="0"/>
+              <a:t>all the databases to one particular place for insights on how well each store is performing, and concentrate on improving the stores which aren’t performing well when compared to others. </a:t>
             </a:r>
           </a:p>
           <a:p>
@@ -7005,12 +7005,12 @@
 </file>
 
 <file path=customXml/item1.xml><?xml version="1.0" encoding="utf-8"?>
-<?mso-contentType ?>
-<FormTemplates xmlns="http://schemas.microsoft.com/sharepoint/v3/contenttype/forms">
-  <Display>DocumentLibraryForm</Display>
-  <Edit>DocumentLibraryForm</Edit>
-  <New>DocumentLibraryForm</New>
-</FormTemplates>
+<p:properties xmlns:p="http://schemas.microsoft.com/office/2006/metadata/properties" xmlns:xsi="http://www.w3.org/2001/XMLSchema-instance" xmlns:pc="http://schemas.microsoft.com/office/infopath/2007/PartnerControls">
+  <documentManagement>
+    <Status xmlns="71af3243-3dd4-4a8d-8c0d-dd76da1f02a5">Not started</Status>
+    <MediaServiceKeyPoints xmlns="71af3243-3dd4-4a8d-8c0d-dd76da1f02a5" xsi:nil="true"/>
+  </documentManagement>
+</p:properties>
 </file>
 
 <file path=customXml/item2.xml><?xml version="1.0" encoding="utf-8"?>
@@ -7235,18 +7235,20 @@
 </file>
 
 <file path=customXml/item3.xml><?xml version="1.0" encoding="utf-8"?>
-<p:properties xmlns:p="http://schemas.microsoft.com/office/2006/metadata/properties" xmlns:xsi="http://www.w3.org/2001/XMLSchema-instance" xmlns:pc="http://schemas.microsoft.com/office/infopath/2007/PartnerControls">
-  <documentManagement>
-    <Status xmlns="71af3243-3dd4-4a8d-8c0d-dd76da1f02a5">Not started</Status>
-    <MediaServiceKeyPoints xmlns="71af3243-3dd4-4a8d-8c0d-dd76da1f02a5" xsi:nil="true"/>
-  </documentManagement>
-</p:properties>
+<?mso-contentType ?>
+<FormTemplates xmlns="http://schemas.microsoft.com/sharepoint/v3/contenttype/forms">
+  <Display>DocumentLibraryForm</Display>
+  <Edit>DocumentLibraryForm</Edit>
+  <New>DocumentLibraryForm</New>
+</FormTemplates>
 </file>
 
 <file path=customXml/itemProps1.xml><?xml version="1.0" encoding="utf-8"?>
-<ds:datastoreItem xmlns:ds="http://schemas.openxmlformats.org/officeDocument/2006/customXml" ds:itemID="{927BD4C1-B6B1-4715-ABF9-E660A51A4EA0}">
+<ds:datastoreItem xmlns:ds="http://schemas.openxmlformats.org/officeDocument/2006/customXml" ds:itemID="{8D289AE2-D2AE-49D1-AFAC-3A79F6794255}">
   <ds:schemaRefs>
-    <ds:schemaRef ds:uri="http://schemas.microsoft.com/sharepoint/v3/contenttype/forms"/>
+    <ds:schemaRef ds:uri="http://schemas.microsoft.com/office/2006/metadata/properties"/>
+    <ds:schemaRef ds:uri="http://schemas.microsoft.com/office/infopath/2007/PartnerControls"/>
+    <ds:schemaRef ds:uri="71af3243-3dd4-4a8d-8c0d-dd76da1f02a5"/>
   </ds:schemaRefs>
 </ds:datastoreItem>
 </file>
@@ -7271,11 +7273,9 @@
 </file>
 
 <file path=customXml/itemProps3.xml><?xml version="1.0" encoding="utf-8"?>
-<ds:datastoreItem xmlns:ds="http://schemas.openxmlformats.org/officeDocument/2006/customXml" ds:itemID="{8D289AE2-D2AE-49D1-AFAC-3A79F6794255}">
+<ds:datastoreItem xmlns:ds="http://schemas.openxmlformats.org/officeDocument/2006/customXml" ds:itemID="{927BD4C1-B6B1-4715-ABF9-E660A51A4EA0}">
   <ds:schemaRefs>
-    <ds:schemaRef ds:uri="http://schemas.microsoft.com/office/2006/metadata/properties"/>
-    <ds:schemaRef ds:uri="http://schemas.microsoft.com/office/infopath/2007/PartnerControls"/>
-    <ds:schemaRef ds:uri="71af3243-3dd4-4a8d-8c0d-dd76da1f02a5"/>
+    <ds:schemaRef ds:uri="http://schemas.microsoft.com/sharepoint/v3/contenttype/forms"/>
   </ds:schemaRefs>
 </ds:datastoreItem>
 </file>